--- a/Daily Agendas/Day15.2_JobPresentation2.pptx
+++ b/Daily Agendas/Day15.2_JobPresentation2.pptx
@@ -306,7 +306,7 @@
             <a:fld id="{1D8BD707-D9CF-40AE-B4C6-C98DA3205C09}" type="datetimeFigureOut">
               <a:rPr lang="en-US" smtClean="0"/>
               <a:pPr/>
-              <a:t>12/10/2018</a:t>
+              <a:t>12/11/2018</a:t>
             </a:fld>
             <a:endParaRPr lang="en-US"/>
           </a:p>
@@ -471,7 +471,7 @@
             <a:fld id="{1D8BD707-D9CF-40AE-B4C6-C98DA3205C09}" type="datetimeFigureOut">
               <a:rPr lang="en-US" smtClean="0"/>
               <a:pPr/>
-              <a:t>12/10/2018</a:t>
+              <a:t>12/11/2018</a:t>
             </a:fld>
             <a:endParaRPr lang="en-US"/>
           </a:p>
@@ -646,7 +646,7 @@
             <a:fld id="{1D8BD707-D9CF-40AE-B4C6-C98DA3205C09}" type="datetimeFigureOut">
               <a:rPr lang="en-US" smtClean="0"/>
               <a:pPr/>
-              <a:t>12/10/2018</a:t>
+              <a:t>12/11/2018</a:t>
             </a:fld>
             <a:endParaRPr lang="en-US"/>
           </a:p>
@@ -811,7 +811,7 @@
             <a:fld id="{1D8BD707-D9CF-40AE-B4C6-C98DA3205C09}" type="datetimeFigureOut">
               <a:rPr lang="en-US" smtClean="0"/>
               <a:pPr/>
-              <a:t>12/10/2018</a:t>
+              <a:t>12/11/2018</a:t>
             </a:fld>
             <a:endParaRPr lang="en-US"/>
           </a:p>
@@ -1053,7 +1053,7 @@
             <a:fld id="{1D8BD707-D9CF-40AE-B4C6-C98DA3205C09}" type="datetimeFigureOut">
               <a:rPr lang="en-US" smtClean="0"/>
               <a:pPr/>
-              <a:t>12/10/2018</a:t>
+              <a:t>12/11/2018</a:t>
             </a:fld>
             <a:endParaRPr lang="en-US"/>
           </a:p>
@@ -1335,7 +1335,7 @@
             <a:fld id="{1D8BD707-D9CF-40AE-B4C6-C98DA3205C09}" type="datetimeFigureOut">
               <a:rPr lang="en-US" smtClean="0"/>
               <a:pPr/>
-              <a:t>12/10/2018</a:t>
+              <a:t>12/11/2018</a:t>
             </a:fld>
             <a:endParaRPr lang="en-US"/>
           </a:p>
@@ -1751,7 +1751,7 @@
             <a:fld id="{1D8BD707-D9CF-40AE-B4C6-C98DA3205C09}" type="datetimeFigureOut">
               <a:rPr lang="en-US" smtClean="0"/>
               <a:pPr/>
-              <a:t>12/10/2018</a:t>
+              <a:t>12/11/2018</a:t>
             </a:fld>
             <a:endParaRPr lang="en-US"/>
           </a:p>
@@ -1865,7 +1865,7 @@
             <a:fld id="{1D8BD707-D9CF-40AE-B4C6-C98DA3205C09}" type="datetimeFigureOut">
               <a:rPr lang="en-US" smtClean="0"/>
               <a:pPr/>
-              <a:t>12/10/2018</a:t>
+              <a:t>12/11/2018</a:t>
             </a:fld>
             <a:endParaRPr lang="en-US"/>
           </a:p>
@@ -1957,7 +1957,7 @@
             <a:fld id="{1D8BD707-D9CF-40AE-B4C6-C98DA3205C09}" type="datetimeFigureOut">
               <a:rPr lang="en-US" smtClean="0"/>
               <a:pPr/>
-              <a:t>12/10/2018</a:t>
+              <a:t>12/11/2018</a:t>
             </a:fld>
             <a:endParaRPr lang="en-US"/>
           </a:p>
@@ -2229,7 +2229,7 @@
             <a:fld id="{1D8BD707-D9CF-40AE-B4C6-C98DA3205C09}" type="datetimeFigureOut">
               <a:rPr lang="en-US" smtClean="0"/>
               <a:pPr/>
-              <a:t>12/10/2018</a:t>
+              <a:t>12/11/2018</a:t>
             </a:fld>
             <a:endParaRPr lang="en-US"/>
           </a:p>
@@ -2478,7 +2478,7 @@
             <a:fld id="{1D8BD707-D9CF-40AE-B4C6-C98DA3205C09}" type="datetimeFigureOut">
               <a:rPr lang="en-US" smtClean="0"/>
               <a:pPr/>
-              <a:t>12/10/2018</a:t>
+              <a:t>12/11/2018</a:t>
             </a:fld>
             <a:endParaRPr lang="en-US"/>
           </a:p>
@@ -2686,7 +2686,7 @@
             <a:fld id="{1D8BD707-D9CF-40AE-B4C6-C98DA3205C09}" type="datetimeFigureOut">
               <a:rPr lang="en-US" smtClean="0"/>
               <a:pPr/>
-              <a:t>12/10/2018</a:t>
+              <a:t>12/11/2018</a:t>
             </a:fld>
             <a:endParaRPr lang="en-US"/>
           </a:p>
@@ -3204,6 +3204,13 @@
   <p:clrMapOvr>
     <a:masterClrMapping/>
   </p:clrMapOvr>
+  <p:timing>
+    <p:tnLst>
+      <p:par>
+        <p:cTn id="1" dur="indefinite" restart="never" nodeType="tmRoot"/>
+      </p:par>
+    </p:tnLst>
+  </p:timing>
 </p:sld>
 </file>
 
@@ -3376,6 +3383,13 @@
   <p:clrMapOvr>
     <a:masterClrMapping/>
   </p:clrMapOvr>
+  <p:timing>
+    <p:tnLst>
+      <p:par>
+        <p:cTn id="1" dur="indefinite" restart="never" nodeType="tmRoot"/>
+      </p:par>
+    </p:tnLst>
+  </p:timing>
 </p:sld>
 </file>
 
@@ -3432,7 +3446,7 @@
         <p:spPr/>
         <p:txBody>
           <a:bodyPr>
-            <a:normAutofit/>
+            <a:normAutofit fontScale="92500" lnSpcReduction="20000"/>
           </a:bodyPr>
           <a:lstStyle/>
           <a:p>
@@ -3475,7 +3489,22 @@
             <a:pPr marL="914400" lvl="1" indent="-514350"/>
             <a:r>
               <a:rPr lang="en-CA" sz="2000" dirty="0" smtClean="0"/>
-              <a:t>Mod A.5 Windows File System / Windows Files Worksheet</a:t>
+              <a:t>Mod A.5 Windows File </a:t>
+            </a:r>
+            <a:r>
+              <a:rPr lang="en-CA" sz="2000" dirty="0" smtClean="0"/>
+              <a:t>System</a:t>
+            </a:r>
+          </a:p>
+          <a:p>
+            <a:pPr marL="914400" lvl="1" indent="-514350"/>
+            <a:r>
+              <a:rPr lang="en-CA" sz="2000" dirty="0" smtClean="0"/>
+              <a:t>Windows </a:t>
+            </a:r>
+            <a:r>
+              <a:rPr lang="en-CA" sz="2000" dirty="0" smtClean="0"/>
+              <a:t>Files Worksheet</a:t>
             </a:r>
           </a:p>
           <a:p>
@@ -3500,8 +3529,27 @@
             <a:pPr marL="914400" lvl="1" indent="-514350"/>
             <a:r>
               <a:rPr lang="en-CA" sz="2400" dirty="0" smtClean="0"/>
-              <a:t>Mod B.5 Python File Access</a:t>
-            </a:r>
+              <a:t>Mod B.5 Python File </a:t>
+            </a:r>
+            <a:r>
+              <a:rPr lang="en-CA" sz="2400" dirty="0" smtClean="0"/>
+              <a:t>Access</a:t>
+            </a:r>
+          </a:p>
+          <a:p>
+            <a:pPr marL="1314450" lvl="2" indent="-514350"/>
+            <a:r>
+              <a:rPr lang="en-CA" sz="2000" dirty="0" smtClean="0"/>
+              <a:t>Text Files – Read / Write</a:t>
+            </a:r>
+          </a:p>
+          <a:p>
+            <a:pPr marL="1314450" lvl="2" indent="-514350"/>
+            <a:r>
+              <a:rPr lang="en-CA" sz="2000" dirty="0" smtClean="0"/>
+              <a:t>Binary Files</a:t>
+            </a:r>
+            <a:endParaRPr lang="en-CA" sz="2000" dirty="0" smtClean="0"/>
           </a:p>
           <a:p>
             <a:pPr marL="514350" indent="-514350">
@@ -3521,7 +3569,18 @@
             <a:pPr marL="914400" lvl="1" indent="-514350"/>
             <a:r>
               <a:rPr lang="en-CA" sz="2000" dirty="0" smtClean="0"/>
-              <a:t>Case C.5 SIM Swap Fraud</a:t>
+              <a:t>Case C.5 SIM Swap </a:t>
+            </a:r>
+            <a:r>
+              <a:rPr lang="en-CA" sz="2000" dirty="0" smtClean="0"/>
+              <a:t>Fraud</a:t>
+            </a:r>
+          </a:p>
+          <a:p>
+            <a:pPr marL="914400" lvl="1" indent="-514350"/>
+            <a:r>
+              <a:rPr lang="en-CA" sz="2000" dirty="0" smtClean="0"/>
+              <a:t>Module C.6 Artificial Intelligence</a:t>
             </a:r>
             <a:endParaRPr lang="en-US" sz="2000" dirty="0"/>
           </a:p>
@@ -3537,6 +3596,13 @@
   <p:clrMapOvr>
     <a:masterClrMapping/>
   </p:clrMapOvr>
+  <p:timing>
+    <p:tnLst>
+      <p:par>
+        <p:cTn id="1" dur="indefinite" restart="never" nodeType="tmRoot"/>
+      </p:par>
+    </p:tnLst>
+  </p:timing>
 </p:sld>
 </file>
 
@@ -3613,6 +3679,13 @@
   <p:clrMapOvr>
     <a:masterClrMapping/>
   </p:clrMapOvr>
+  <p:timing>
+    <p:tnLst>
+      <p:par>
+        <p:cTn id="1" dur="indefinite" restart="never" nodeType="tmRoot"/>
+      </p:par>
+    </p:tnLst>
+  </p:timing>
 </p:sld>
 </file>
 
